--- a/topic09/talk-0/mongoDB.pptx
+++ b/topic09/talk-0/mongoDB.pptx
@@ -244,7 +244,7 @@
           <a:p>
             <a:fld id="{E753CC8B-2C22-4294-82AF-E18635F6C8A8}" type="datetimeFigureOut">
               <a:rPr lang="en-US" smtClean="0"/>
-              <a:t>3/23/2020</a:t>
+              <a:t>11/17/2021</a:t>
             </a:fld>
             <a:endParaRPr lang="en-US"/>
           </a:p>
@@ -690,7 +690,7 @@
           <a:p>
             <a:fld id="{B9A3E4E1-EAAE-4738-8551-BAE8BA49A08B}" type="datetimeFigureOut">
               <a:rPr lang="en-US" smtClean="0"/>
-              <a:t>3/23/2020</a:t>
+              <a:t>11/17/2021</a:t>
             </a:fld>
             <a:endParaRPr lang="en-US"/>
           </a:p>
@@ -858,7 +858,7 @@
           <a:p>
             <a:fld id="{B9A3E4E1-EAAE-4738-8551-BAE8BA49A08B}" type="datetimeFigureOut">
               <a:rPr lang="en-US" smtClean="0"/>
-              <a:t>3/23/2020</a:t>
+              <a:t>11/17/2021</a:t>
             </a:fld>
             <a:endParaRPr lang="en-US"/>
           </a:p>
@@ -1036,7 +1036,7 @@
           <a:p>
             <a:fld id="{B9A3E4E1-EAAE-4738-8551-BAE8BA49A08B}" type="datetimeFigureOut">
               <a:rPr lang="en-US" smtClean="0"/>
-              <a:t>3/23/2020</a:t>
+              <a:t>11/17/2021</a:t>
             </a:fld>
             <a:endParaRPr lang="en-US"/>
           </a:p>
@@ -1204,7 +1204,7 @@
           <a:p>
             <a:fld id="{B9A3E4E1-EAAE-4738-8551-BAE8BA49A08B}" type="datetimeFigureOut">
               <a:rPr lang="en-US" smtClean="0"/>
-              <a:t>3/23/2020</a:t>
+              <a:t>11/17/2021</a:t>
             </a:fld>
             <a:endParaRPr lang="en-US"/>
           </a:p>
@@ -1449,7 +1449,7 @@
           <a:p>
             <a:fld id="{B9A3E4E1-EAAE-4738-8551-BAE8BA49A08B}" type="datetimeFigureOut">
               <a:rPr lang="en-US" smtClean="0"/>
-              <a:t>3/23/2020</a:t>
+              <a:t>11/17/2021</a:t>
             </a:fld>
             <a:endParaRPr lang="en-US"/>
           </a:p>
@@ -1734,7 +1734,7 @@
           <a:p>
             <a:fld id="{B9A3E4E1-EAAE-4738-8551-BAE8BA49A08B}" type="datetimeFigureOut">
               <a:rPr lang="en-US" smtClean="0"/>
-              <a:t>3/23/2020</a:t>
+              <a:t>11/17/2021</a:t>
             </a:fld>
             <a:endParaRPr lang="en-US"/>
           </a:p>
@@ -2153,7 +2153,7 @@
           <a:p>
             <a:fld id="{B9A3E4E1-EAAE-4738-8551-BAE8BA49A08B}" type="datetimeFigureOut">
               <a:rPr lang="en-US" smtClean="0"/>
-              <a:t>3/23/2020</a:t>
+              <a:t>11/17/2021</a:t>
             </a:fld>
             <a:endParaRPr lang="en-US"/>
           </a:p>
@@ -2270,7 +2270,7 @@
           <a:p>
             <a:fld id="{B9A3E4E1-EAAE-4738-8551-BAE8BA49A08B}" type="datetimeFigureOut">
               <a:rPr lang="en-US" smtClean="0"/>
-              <a:t>3/23/2020</a:t>
+              <a:t>11/17/2021</a:t>
             </a:fld>
             <a:endParaRPr lang="en-US"/>
           </a:p>
@@ -2365,7 +2365,7 @@
           <a:p>
             <a:fld id="{B9A3E4E1-EAAE-4738-8551-BAE8BA49A08B}" type="datetimeFigureOut">
               <a:rPr lang="en-US" smtClean="0"/>
-              <a:t>3/23/2020</a:t>
+              <a:t>11/17/2021</a:t>
             </a:fld>
             <a:endParaRPr lang="en-US"/>
           </a:p>
@@ -2640,7 +2640,7 @@
           <a:p>
             <a:fld id="{B9A3E4E1-EAAE-4738-8551-BAE8BA49A08B}" type="datetimeFigureOut">
               <a:rPr lang="en-US" smtClean="0"/>
-              <a:t>3/23/2020</a:t>
+              <a:t>11/17/2021</a:t>
             </a:fld>
             <a:endParaRPr lang="en-US"/>
           </a:p>
@@ -2892,7 +2892,7 @@
           <a:p>
             <a:fld id="{B9A3E4E1-EAAE-4738-8551-BAE8BA49A08B}" type="datetimeFigureOut">
               <a:rPr lang="en-US" smtClean="0"/>
-              <a:t>3/23/2020</a:t>
+              <a:t>11/17/2021</a:t>
             </a:fld>
             <a:endParaRPr lang="en-US"/>
           </a:p>
@@ -3103,7 +3103,7 @@
           <a:p>
             <a:fld id="{B9A3E4E1-EAAE-4738-8551-BAE8BA49A08B}" type="datetimeFigureOut">
               <a:rPr lang="en-US" smtClean="0"/>
-              <a:t>3/23/2020</a:t>
+              <a:t>11/17/2021</a:t>
             </a:fld>
             <a:endParaRPr lang="en-US"/>
           </a:p>
@@ -3494,10 +3494,14 @@
           <a:lstStyle/>
           <a:p>
             <a:r>
-              <a:rPr lang="en-IE"/>
-              <a:t>MongoDB and Cloud Storage</a:t>
-            </a:r>
-            <a:endParaRPr lang="en-US"/>
+              <a:rPr lang="en-IE" dirty="0"/>
+              <a:t>MongoDB </a:t>
+            </a:r>
+            <a:r>
+              <a:rPr lang="en-IE"/>
+              <a:t>and Mongoose</a:t>
+            </a:r>
+            <a:endParaRPr lang="en-US" dirty="0"/>
           </a:p>
         </p:txBody>
       </p:sp>
